--- a/PresentationSlides.pptx
+++ b/PresentationSlides.pptx
@@ -6,15 +6,19 @@
   </p:sldMasterIdLst>
   <p:sldIdLst>
     <p:sldId id="256" r:id="rId2"/>
-    <p:sldId id="263" r:id="rId3"/>
-    <p:sldId id="264" r:id="rId4"/>
-    <p:sldId id="265" r:id="rId5"/>
-    <p:sldId id="258" r:id="rId6"/>
-    <p:sldId id="262" r:id="rId7"/>
-    <p:sldId id="260" r:id="rId8"/>
-    <p:sldId id="261" r:id="rId9"/>
-    <p:sldId id="257" r:id="rId10"/>
-    <p:sldId id="259" r:id="rId11"/>
+    <p:sldId id="268" r:id="rId3"/>
+    <p:sldId id="263" r:id="rId4"/>
+    <p:sldId id="264" r:id="rId5"/>
+    <p:sldId id="265" r:id="rId6"/>
+    <p:sldId id="258" r:id="rId7"/>
+    <p:sldId id="262" r:id="rId8"/>
+    <p:sldId id="266" r:id="rId9"/>
+    <p:sldId id="267" r:id="rId10"/>
+    <p:sldId id="260" r:id="rId11"/>
+    <p:sldId id="261" r:id="rId12"/>
+    <p:sldId id="269" r:id="rId13"/>
+    <p:sldId id="257" r:id="rId14"/>
+    <p:sldId id="259" r:id="rId15"/>
   </p:sldIdLst>
   <p:sldSz cx="12192000" cy="6858000"/>
   <p:notesSz cx="6858000" cy="9144000"/>
@@ -113,6 +117,11 @@
       </a:defRPr>
     </a:lvl9pPr>
   </p:defaultTextStyle>
+  <p:extLst>
+    <p:ext uri="{EFAFB233-063F-42B5-8137-9DF3F51BA10A}">
+      <p15:sldGuideLst xmlns:p15="http://schemas.microsoft.com/office/powerpoint/2012/main"/>
+    </p:ext>
+  </p:extLst>
 </p:presentation>
 </file>
 
@@ -5433,6 +5442,423 @@
           <p:cNvPr id="2" name="Title 1">
             <a:extLst>
               <a:ext uri="{FF2B5EF4-FFF2-40B4-BE49-F238E27FC236}">
+                <a16:creationId xmlns:a16="http://schemas.microsoft.com/office/drawing/2014/main" id="{E11763BE-FA3C-498A-851F-9F4709760FE4}"/>
+              </a:ext>
+            </a:extLst>
+          </p:cNvPr>
+          <p:cNvSpPr>
+            <a:spLocks noGrp="1"/>
+          </p:cNvSpPr>
+          <p:nvPr>
+            <p:ph type="title"/>
+          </p:nvPr>
+        </p:nvSpPr>
+        <p:spPr/>
+        <p:txBody>
+          <a:bodyPr/>
+          <a:lstStyle/>
+          <a:p>
+            <a:r>
+              <a:rPr lang="en-US" dirty="0"/>
+              <a:t>Key aims</a:t>
+            </a:r>
+          </a:p>
+        </p:txBody>
+      </p:sp>
+      <p:sp>
+        <p:nvSpPr>
+          <p:cNvPr id="3" name="Content Placeholder 2">
+            <a:extLst>
+              <a:ext uri="{FF2B5EF4-FFF2-40B4-BE49-F238E27FC236}">
+                <a16:creationId xmlns:a16="http://schemas.microsoft.com/office/drawing/2014/main" id="{D62BEED0-C901-475B-9EBA-9D2015A3FE33}"/>
+              </a:ext>
+            </a:extLst>
+          </p:cNvPr>
+          <p:cNvSpPr>
+            <a:spLocks noGrp="1"/>
+          </p:cNvSpPr>
+          <p:nvPr>
+            <p:ph idx="1"/>
+          </p:nvPr>
+        </p:nvSpPr>
+        <p:spPr/>
+        <p:txBody>
+          <a:bodyPr/>
+          <a:lstStyle/>
+          <a:p>
+            <a:r>
+              <a:rPr lang="en-US" dirty="0"/>
+              <a:t>Develop and train the two distinct neural networks</a:t>
+            </a:r>
+          </a:p>
+          <a:p>
+            <a:r>
+              <a:rPr lang="en-US" dirty="0"/>
+              <a:t>Run a sample of 1000 games between the two of them</a:t>
+            </a:r>
+          </a:p>
+          <a:p>
+            <a:r>
+              <a:rPr lang="en-US" dirty="0"/>
+              <a:t>Determine which of the neural networks is superior from this data</a:t>
+            </a:r>
+          </a:p>
+          <a:p>
+            <a:r>
+              <a:rPr lang="en-US" dirty="0"/>
+              <a:t>Develop an interactive demonstration to pit a human player against the superior neural network.</a:t>
+            </a:r>
+          </a:p>
+        </p:txBody>
+      </p:sp>
+    </p:spTree>
+    <p:extLst>
+      <p:ext uri="{BB962C8B-B14F-4D97-AF65-F5344CB8AC3E}">
+        <p14:creationId xmlns:p14="http://schemas.microsoft.com/office/powerpoint/2010/main" val="1353845262"/>
+      </p:ext>
+    </p:extLst>
+  </p:cSld>
+  <p:clrMapOvr>
+    <a:masterClrMapping/>
+  </p:clrMapOvr>
+</p:sld>
+</file>
+
+<file path=ppt/slides/slide11.xml><?xml version="1.0" encoding="utf-8"?>
+<p:sld xmlns:a="http://schemas.openxmlformats.org/drawingml/2006/main" xmlns:r="http://schemas.openxmlformats.org/officeDocument/2006/relationships" xmlns:p="http://schemas.openxmlformats.org/presentationml/2006/main">
+  <p:cSld>
+    <p:spTree>
+      <p:nvGrpSpPr>
+        <p:cNvPr id="1" name=""/>
+        <p:cNvGrpSpPr/>
+        <p:nvPr/>
+      </p:nvGrpSpPr>
+      <p:grpSpPr>
+        <a:xfrm>
+          <a:off x="0" y="0"/>
+          <a:ext cx="0" cy="0"/>
+          <a:chOff x="0" y="0"/>
+          <a:chExt cx="0" cy="0"/>
+        </a:xfrm>
+      </p:grpSpPr>
+      <p:sp>
+        <p:nvSpPr>
+          <p:cNvPr id="2" name="Title 1">
+            <a:extLst>
+              <a:ext uri="{FF2B5EF4-FFF2-40B4-BE49-F238E27FC236}">
+                <a16:creationId xmlns:a16="http://schemas.microsoft.com/office/drawing/2014/main" id="{9F3037E7-72E1-4286-88FD-17C8D4E8921B}"/>
+              </a:ext>
+            </a:extLst>
+          </p:cNvPr>
+          <p:cNvSpPr>
+            <a:spLocks noGrp="1"/>
+          </p:cNvSpPr>
+          <p:nvPr>
+            <p:ph type="title"/>
+          </p:nvPr>
+        </p:nvSpPr>
+        <p:spPr/>
+        <p:txBody>
+          <a:bodyPr/>
+          <a:lstStyle/>
+          <a:p>
+            <a:r>
+              <a:rPr lang="en-US" dirty="0"/>
+              <a:t>strategy</a:t>
+            </a:r>
+          </a:p>
+        </p:txBody>
+      </p:sp>
+      <p:sp>
+        <p:nvSpPr>
+          <p:cNvPr id="3" name="Content Placeholder 2">
+            <a:extLst>
+              <a:ext uri="{FF2B5EF4-FFF2-40B4-BE49-F238E27FC236}">
+                <a16:creationId xmlns:a16="http://schemas.microsoft.com/office/drawing/2014/main" id="{38DF5758-B57F-4D38-B827-28DE3BC59CBD}"/>
+              </a:ext>
+            </a:extLst>
+          </p:cNvPr>
+          <p:cNvSpPr>
+            <a:spLocks noGrp="1"/>
+          </p:cNvSpPr>
+          <p:nvPr>
+            <p:ph idx="1"/>
+          </p:nvPr>
+        </p:nvSpPr>
+        <p:spPr/>
+        <p:txBody>
+          <a:bodyPr/>
+          <a:lstStyle/>
+          <a:p>
+            <a:r>
+              <a:rPr lang="en-US" dirty="0"/>
+              <a:t>Jeremy and </a:t>
+            </a:r>
+            <a:r>
+              <a:rPr lang="en-US" dirty="0" err="1"/>
+              <a:t>Delkhaz</a:t>
+            </a:r>
+            <a:r>
+              <a:rPr lang="en-US" dirty="0"/>
+              <a:t> went to work preparing the neural networks, training them and testing them</a:t>
+            </a:r>
+          </a:p>
+          <a:p>
+            <a:r>
+              <a:rPr lang="en-US" dirty="0"/>
+              <a:t>Brandon constructed a driver program on top of a Python poker library called “Treys”</a:t>
+            </a:r>
+          </a:p>
+          <a:p>
+            <a:pPr lvl="1"/>
+            <a:r>
+              <a:rPr lang="en-US" dirty="0"/>
+              <a:t>This library allowed for “pretty printing” the suits of the hand and an evaluation mechanism to determine who wins</a:t>
+            </a:r>
+          </a:p>
+          <a:p>
+            <a:r>
+              <a:rPr lang="en-US" dirty="0" err="1"/>
+              <a:t>Loraina</a:t>
+            </a:r>
+            <a:r>
+              <a:rPr lang="en-US" dirty="0"/>
+              <a:t> kept in contact with the team and began working on the paper to collate and publish the results</a:t>
+            </a:r>
+          </a:p>
+        </p:txBody>
+      </p:sp>
+    </p:spTree>
+    <p:extLst>
+      <p:ext uri="{BB962C8B-B14F-4D97-AF65-F5344CB8AC3E}">
+        <p14:creationId xmlns:p14="http://schemas.microsoft.com/office/powerpoint/2010/main" val="1481801365"/>
+      </p:ext>
+    </p:extLst>
+  </p:cSld>
+  <p:clrMapOvr>
+    <a:masterClrMapping/>
+  </p:clrMapOvr>
+</p:sld>
+</file>
+
+<file path=ppt/slides/slide12.xml><?xml version="1.0" encoding="utf-8"?>
+<p:sld xmlns:a="http://schemas.openxmlformats.org/drawingml/2006/main" xmlns:r="http://schemas.openxmlformats.org/officeDocument/2006/relationships" xmlns:p="http://schemas.openxmlformats.org/presentationml/2006/main">
+  <p:cSld>
+    <p:spTree>
+      <p:nvGrpSpPr>
+        <p:cNvPr id="1" name=""/>
+        <p:cNvGrpSpPr/>
+        <p:nvPr/>
+      </p:nvGrpSpPr>
+      <p:grpSpPr>
+        <a:xfrm>
+          <a:off x="0" y="0"/>
+          <a:ext cx="0" cy="0"/>
+          <a:chOff x="0" y="0"/>
+          <a:chExt cx="0" cy="0"/>
+        </a:xfrm>
+      </p:grpSpPr>
+      <p:sp>
+        <p:nvSpPr>
+          <p:cNvPr id="2" name="Title 1">
+            <a:extLst>
+              <a:ext uri="{FF2B5EF4-FFF2-40B4-BE49-F238E27FC236}">
+                <a16:creationId xmlns:a16="http://schemas.microsoft.com/office/drawing/2014/main" id="{9F3037E7-72E1-4286-88FD-17C8D4E8921B}"/>
+              </a:ext>
+            </a:extLst>
+          </p:cNvPr>
+          <p:cNvSpPr>
+            <a:spLocks noGrp="1"/>
+          </p:cNvSpPr>
+          <p:nvPr>
+            <p:ph type="title"/>
+          </p:nvPr>
+        </p:nvSpPr>
+        <p:spPr/>
+        <p:txBody>
+          <a:bodyPr/>
+          <a:lstStyle/>
+          <a:p>
+            <a:r>
+              <a:rPr lang="en-US" dirty="0"/>
+              <a:t>results</a:t>
+            </a:r>
+          </a:p>
+        </p:txBody>
+      </p:sp>
+      <p:sp>
+        <p:nvSpPr>
+          <p:cNvPr id="3" name="Content Placeholder 2">
+            <a:extLst>
+              <a:ext uri="{FF2B5EF4-FFF2-40B4-BE49-F238E27FC236}">
+                <a16:creationId xmlns:a16="http://schemas.microsoft.com/office/drawing/2014/main" id="{38DF5758-B57F-4D38-B827-28DE3BC59CBD}"/>
+              </a:ext>
+            </a:extLst>
+          </p:cNvPr>
+          <p:cNvSpPr>
+            <a:spLocks noGrp="1"/>
+          </p:cNvSpPr>
+          <p:nvPr>
+            <p:ph idx="1"/>
+          </p:nvPr>
+        </p:nvSpPr>
+        <p:spPr/>
+        <p:txBody>
+          <a:bodyPr>
+            <a:normAutofit fontScale="92500" lnSpcReduction="20000"/>
+          </a:bodyPr>
+          <a:lstStyle/>
+          <a:p>
+            <a:r>
+              <a:rPr lang="en-US" dirty="0"/>
+              <a:t>A convolutional neural network and a feedforward neural network were produced with comparable accuracy (96% vs 98%)</a:t>
+            </a:r>
+          </a:p>
+          <a:p>
+            <a:r>
+              <a:rPr lang="en-US" dirty="0"/>
+              <a:t>A finished driver was created that could test the two networks to find the “real world” difference between the two given their difference in accurately classifying a presented poker hand</a:t>
+            </a:r>
+          </a:p>
+          <a:p>
+            <a:pPr lvl="1"/>
+            <a:r>
+              <a:rPr lang="en-US" dirty="0"/>
+              <a:t>Additionally, a human player can interact and play against the Neural Network</a:t>
+            </a:r>
+          </a:p>
+          <a:p>
+            <a:r>
+              <a:rPr lang="en-US" dirty="0"/>
+              <a:t>The result of this testing seemed to reinforce the original hypothesis that the feed forward neural network would be superior (FF wins 52.1% of the time)</a:t>
+            </a:r>
+          </a:p>
+          <a:p>
+            <a:r>
+              <a:rPr lang="en-US" dirty="0"/>
+              <a:t>The methodology of the experiment with the corresponding results were published in the paper.</a:t>
+            </a:r>
+          </a:p>
+        </p:txBody>
+      </p:sp>
+    </p:spTree>
+    <p:extLst>
+      <p:ext uri="{BB962C8B-B14F-4D97-AF65-F5344CB8AC3E}">
+        <p14:creationId xmlns:p14="http://schemas.microsoft.com/office/powerpoint/2010/main" val="3945807631"/>
+      </p:ext>
+    </p:extLst>
+  </p:cSld>
+  <p:clrMapOvr>
+    <a:masterClrMapping/>
+  </p:clrMapOvr>
+</p:sld>
+</file>
+
+<file path=ppt/slides/slide13.xml><?xml version="1.0" encoding="utf-8"?>
+<p:sld xmlns:a="http://schemas.openxmlformats.org/drawingml/2006/main" xmlns:r="http://schemas.openxmlformats.org/officeDocument/2006/relationships" xmlns:p="http://schemas.openxmlformats.org/presentationml/2006/main">
+  <p:cSld>
+    <p:spTree>
+      <p:nvGrpSpPr>
+        <p:cNvPr id="1" name=""/>
+        <p:cNvGrpSpPr/>
+        <p:nvPr/>
+      </p:nvGrpSpPr>
+      <p:grpSpPr>
+        <a:xfrm>
+          <a:off x="0" y="0"/>
+          <a:ext cx="0" cy="0"/>
+          <a:chOff x="0" y="0"/>
+          <a:chExt cx="0" cy="0"/>
+        </a:xfrm>
+      </p:grpSpPr>
+      <p:sp>
+        <p:nvSpPr>
+          <p:cNvPr id="4" name="Title 3">
+            <a:extLst>
+              <a:ext uri="{FF2B5EF4-FFF2-40B4-BE49-F238E27FC236}">
+                <a16:creationId xmlns:a16="http://schemas.microsoft.com/office/drawing/2014/main" id="{D011F165-4EE3-464C-8915-F45B2FD2A25D}"/>
+              </a:ext>
+            </a:extLst>
+          </p:cNvPr>
+          <p:cNvSpPr>
+            <a:spLocks noGrp="1"/>
+          </p:cNvSpPr>
+          <p:nvPr>
+            <p:ph type="title"/>
+          </p:nvPr>
+        </p:nvSpPr>
+        <p:spPr/>
+        <p:txBody>
+          <a:bodyPr/>
+          <a:lstStyle/>
+          <a:p>
+            <a:r>
+              <a:rPr lang="en-US" dirty="0"/>
+              <a:t>contributions</a:t>
+            </a:r>
+          </a:p>
+        </p:txBody>
+      </p:sp>
+      <p:sp>
+        <p:nvSpPr>
+          <p:cNvPr id="5" name="Text Placeholder 4">
+            <a:extLst>
+              <a:ext uri="{FF2B5EF4-FFF2-40B4-BE49-F238E27FC236}">
+                <a16:creationId xmlns:a16="http://schemas.microsoft.com/office/drawing/2014/main" id="{E83F06AC-6F1B-4CF9-87F6-5E5B158BA987}"/>
+              </a:ext>
+            </a:extLst>
+          </p:cNvPr>
+          <p:cNvSpPr>
+            <a:spLocks noGrp="1"/>
+          </p:cNvSpPr>
+          <p:nvPr>
+            <p:ph type="body" idx="1"/>
+          </p:nvPr>
+        </p:nvSpPr>
+        <p:spPr/>
+        <p:txBody>
+          <a:bodyPr/>
+          <a:lstStyle/>
+          <a:p>
+            <a:endParaRPr lang="en-US"/>
+          </a:p>
+        </p:txBody>
+      </p:sp>
+    </p:spTree>
+    <p:extLst>
+      <p:ext uri="{BB962C8B-B14F-4D97-AF65-F5344CB8AC3E}">
+        <p14:creationId xmlns:p14="http://schemas.microsoft.com/office/powerpoint/2010/main" val="2748202497"/>
+      </p:ext>
+    </p:extLst>
+  </p:cSld>
+  <p:clrMapOvr>
+    <a:masterClrMapping/>
+  </p:clrMapOvr>
+</p:sld>
+</file>
+
+<file path=ppt/slides/slide14.xml><?xml version="1.0" encoding="utf-8"?>
+<p:sld xmlns:a="http://schemas.openxmlformats.org/drawingml/2006/main" xmlns:r="http://schemas.openxmlformats.org/officeDocument/2006/relationships" xmlns:p="http://schemas.openxmlformats.org/presentationml/2006/main">
+  <p:cSld>
+    <p:spTree>
+      <p:nvGrpSpPr>
+        <p:cNvPr id="1" name=""/>
+        <p:cNvGrpSpPr/>
+        <p:nvPr/>
+      </p:nvGrpSpPr>
+      <p:grpSpPr>
+        <a:xfrm>
+          <a:off x="0" y="0"/>
+          <a:ext cx="0" cy="0"/>
+          <a:chOff x="0" y="0"/>
+          <a:chExt cx="0" cy="0"/>
+        </a:xfrm>
+      </p:grpSpPr>
+      <p:sp>
+        <p:nvSpPr>
+          <p:cNvPr id="2" name="Title 1">
+            <a:extLst>
+              <a:ext uri="{FF2B5EF4-FFF2-40B4-BE49-F238E27FC236}">
                 <a16:creationId xmlns:a16="http://schemas.microsoft.com/office/drawing/2014/main" id="{0BFE3BC4-4386-448E-9D43-8492C988040C}"/>
               </a:ext>
             </a:extLst>
@@ -5516,6 +5942,120 @@
           <p:cNvPr id="2" name="Title 1">
             <a:extLst>
               <a:ext uri="{FF2B5EF4-FFF2-40B4-BE49-F238E27FC236}">
+                <a16:creationId xmlns:a16="http://schemas.microsoft.com/office/drawing/2014/main" id="{F777A891-31FB-4E69-8515-67194A1BDCFC}"/>
+              </a:ext>
+            </a:extLst>
+          </p:cNvPr>
+          <p:cNvSpPr>
+            <a:spLocks noGrp="1"/>
+          </p:cNvSpPr>
+          <p:nvPr>
+            <p:ph type="title"/>
+          </p:nvPr>
+        </p:nvSpPr>
+        <p:spPr/>
+        <p:txBody>
+          <a:bodyPr/>
+          <a:lstStyle/>
+          <a:p>
+            <a:r>
+              <a:rPr lang="en-US" dirty="0"/>
+              <a:t>The objective</a:t>
+            </a:r>
+          </a:p>
+        </p:txBody>
+      </p:sp>
+      <p:sp>
+        <p:nvSpPr>
+          <p:cNvPr id="3" name="Content Placeholder 2">
+            <a:extLst>
+              <a:ext uri="{FF2B5EF4-FFF2-40B4-BE49-F238E27FC236}">
+                <a16:creationId xmlns:a16="http://schemas.microsoft.com/office/drawing/2014/main" id="{7637E4DE-B5FF-4A1C-8A4D-F570EA24BF48}"/>
+              </a:ext>
+            </a:extLst>
+          </p:cNvPr>
+          <p:cNvSpPr>
+            <a:spLocks noGrp="1"/>
+          </p:cNvSpPr>
+          <p:nvPr>
+            <p:ph idx="1"/>
+          </p:nvPr>
+        </p:nvSpPr>
+        <p:spPr/>
+        <p:txBody>
+          <a:bodyPr>
+            <a:normAutofit lnSpcReduction="10000"/>
+          </a:bodyPr>
+          <a:lstStyle/>
+          <a:p>
+            <a:r>
+              <a:rPr lang="en-US" dirty="0"/>
+              <a:t>Our goal was to train two different kinds of neural networks to classify poker hands and test which kind of neural net is superior for the task.</a:t>
+            </a:r>
+          </a:p>
+          <a:p>
+            <a:pPr lvl="1"/>
+            <a:r>
+              <a:rPr lang="en-US" dirty="0"/>
+              <a:t>Feed-Forward vs Convolutional</a:t>
+            </a:r>
+          </a:p>
+          <a:p>
+            <a:r>
+              <a:rPr lang="en-US" dirty="0"/>
+              <a:t>In order to play poker, an agent must be able to recognize the hand that it has, otherwise it will be making poor choices.</a:t>
+            </a:r>
+          </a:p>
+          <a:p>
+            <a:r>
+              <a:rPr lang="en-US" dirty="0"/>
+              <a:t>We wanted to make a simple driver that would allow a human user to play a simple 5-card draw game against the superior neural network.</a:t>
+            </a:r>
+          </a:p>
+          <a:p>
+            <a:pPr lvl="1"/>
+            <a:r>
+              <a:rPr lang="en-US" dirty="0"/>
+              <a:t>We predicted that a feed forward neural network would out-perform the convolutional neural net.</a:t>
+            </a:r>
+          </a:p>
+        </p:txBody>
+      </p:sp>
+    </p:spTree>
+    <p:extLst>
+      <p:ext uri="{BB962C8B-B14F-4D97-AF65-F5344CB8AC3E}">
+        <p14:creationId xmlns:p14="http://schemas.microsoft.com/office/powerpoint/2010/main" val="1982457119"/>
+      </p:ext>
+    </p:extLst>
+  </p:cSld>
+  <p:clrMapOvr>
+    <a:masterClrMapping/>
+  </p:clrMapOvr>
+</p:sld>
+</file>
+
+<file path=ppt/slides/slide3.xml><?xml version="1.0" encoding="utf-8"?>
+<p:sld xmlns:a="http://schemas.openxmlformats.org/drawingml/2006/main" xmlns:r="http://schemas.openxmlformats.org/officeDocument/2006/relationships" xmlns:p="http://schemas.openxmlformats.org/presentationml/2006/main">
+  <p:cSld>
+    <p:spTree>
+      <p:nvGrpSpPr>
+        <p:cNvPr id="1" name=""/>
+        <p:cNvGrpSpPr/>
+        <p:nvPr/>
+      </p:nvGrpSpPr>
+      <p:grpSpPr>
+        <a:xfrm>
+          <a:off x="0" y="0"/>
+          <a:ext cx="0" cy="0"/>
+          <a:chOff x="0" y="0"/>
+          <a:chExt cx="0" cy="0"/>
+        </a:xfrm>
+      </p:grpSpPr>
+      <p:sp>
+        <p:nvSpPr>
+          <p:cNvPr id="2" name="Title 1">
+            <a:extLst>
+              <a:ext uri="{FF2B5EF4-FFF2-40B4-BE49-F238E27FC236}">
                 <a16:creationId xmlns:a16="http://schemas.microsoft.com/office/drawing/2014/main" id="{20E604EA-725D-49A7-8224-5C0A1B374826}"/>
               </a:ext>
             </a:extLst>
@@ -5562,7 +6102,7 @@
           <a:p>
             <a:r>
               <a:rPr lang="en-US" dirty="0"/>
-              <a:t>“Poker Hand Dataset” from UCI Machine Learning Repo</a:t>
+              <a:t>“Poker Hand Dataset” from UCI Machine Learning Repository</a:t>
             </a:r>
           </a:p>
           <a:p>
@@ -5583,7 +6123,7 @@
           <a:p>
             <a:r>
               <a:rPr lang="en-US" dirty="0"/>
-              <a:t>Found to be a challenging data set for classification algorithms</a:t>
+              <a:t>Cited to be a challenging data set for classification algorithms</a:t>
             </a:r>
           </a:p>
         </p:txBody>
@@ -5601,7 +6141,7 @@
 </p:sld>
 </file>
 
-<file path=ppt/slides/slide3.xml><?xml version="1.0" encoding="utf-8"?>
+<file path=ppt/slides/slide4.xml><?xml version="1.0" encoding="utf-8"?>
 <p:sld xmlns:a="http://schemas.openxmlformats.org/drawingml/2006/main" xmlns:r="http://schemas.openxmlformats.org/officeDocument/2006/relationships" xmlns:p="http://schemas.openxmlformats.org/presentationml/2006/main">
   <p:cSld>
     <p:bg>
@@ -6338,188 +6878,6 @@
 </p:sld>
 </file>
 
-<file path=ppt/slides/slide4.xml><?xml version="1.0" encoding="utf-8"?>
-<p:sld xmlns:a="http://schemas.openxmlformats.org/drawingml/2006/main" xmlns:r="http://schemas.openxmlformats.org/officeDocument/2006/relationships" xmlns:p="http://schemas.openxmlformats.org/presentationml/2006/main">
-  <p:cSld>
-    <p:spTree>
-      <p:nvGrpSpPr>
-        <p:cNvPr id="1" name=""/>
-        <p:cNvGrpSpPr/>
-        <p:nvPr/>
-      </p:nvGrpSpPr>
-      <p:grpSpPr>
-        <a:xfrm>
-          <a:off x="0" y="0"/>
-          <a:ext cx="0" cy="0"/>
-          <a:chOff x="0" y="0"/>
-          <a:chExt cx="0" cy="0"/>
-        </a:xfrm>
-      </p:grpSpPr>
-      <p:sp>
-        <p:nvSpPr>
-          <p:cNvPr id="5" name="Title 4">
-            <a:extLst>
-              <a:ext uri="{FF2B5EF4-FFF2-40B4-BE49-F238E27FC236}">
-                <a16:creationId xmlns:a16="http://schemas.microsoft.com/office/drawing/2014/main" id="{B5736BC8-5050-429B-B795-9813B2B1BEC8}"/>
-              </a:ext>
-            </a:extLst>
-          </p:cNvPr>
-          <p:cNvSpPr>
-            <a:spLocks noGrp="1"/>
-          </p:cNvSpPr>
-          <p:nvPr>
-            <p:ph type="title"/>
-          </p:nvPr>
-        </p:nvSpPr>
-        <p:spPr/>
-        <p:txBody>
-          <a:bodyPr/>
-          <a:lstStyle/>
-          <a:p>
-            <a:r>
-              <a:rPr lang="en-US" dirty="0"/>
-              <a:t>True odds</a:t>
-            </a:r>
-          </a:p>
-        </p:txBody>
-      </p:sp>
-      <p:sp>
-        <p:nvSpPr>
-          <p:cNvPr id="7" name="Content Placeholder 6">
-            <a:extLst>
-              <a:ext uri="{FF2B5EF4-FFF2-40B4-BE49-F238E27FC236}">
-                <a16:creationId xmlns:a16="http://schemas.microsoft.com/office/drawing/2014/main" id="{FF7B363C-73AE-4B66-9953-86BF761CDB01}"/>
-              </a:ext>
-            </a:extLst>
-          </p:cNvPr>
-          <p:cNvSpPr>
-            <a:spLocks noGrp="1"/>
-          </p:cNvSpPr>
-          <p:nvPr>
-            <p:ph idx="1"/>
-          </p:nvPr>
-        </p:nvSpPr>
-        <p:spPr/>
-        <p:txBody>
-          <a:bodyPr/>
-          <a:lstStyle/>
-          <a:p>
-            <a:r>
-              <a:rPr lang="en-US" dirty="0"/>
-              <a:t>Royal Flush: 0.000154%</a:t>
-            </a:r>
-          </a:p>
-          <a:p>
-            <a:r>
-              <a:rPr lang="en-US" dirty="0"/>
-              <a:t>Straight Flush: 0.00139%</a:t>
-            </a:r>
-          </a:p>
-          <a:p>
-            <a:r>
-              <a:rPr lang="en-US" dirty="0"/>
-              <a:t>Four of a Kind: 0.0240%</a:t>
-            </a:r>
-          </a:p>
-          <a:p>
-            <a:r>
-              <a:rPr lang="en-US" dirty="0"/>
-              <a:t>Full House: 0.1441% </a:t>
-            </a:r>
-          </a:p>
-          <a:p>
-            <a:r>
-              <a:rPr lang="en-US" dirty="0"/>
-              <a:t>Flush: 0.1965%</a:t>
-            </a:r>
-          </a:p>
-          <a:p>
-            <a:r>
-              <a:rPr lang="en-US" dirty="0"/>
-              <a:t>Straight: 0.3925%</a:t>
-            </a:r>
-          </a:p>
-          <a:p>
-            <a:r>
-              <a:rPr lang="en-US" dirty="0"/>
-              <a:t>Three of a Kind: 2.1128%</a:t>
-            </a:r>
-          </a:p>
-          <a:p>
-            <a:r>
-              <a:rPr lang="en-US" dirty="0"/>
-              <a:t>Two Pair: 4.7539%</a:t>
-            </a:r>
-          </a:p>
-          <a:p>
-            <a:r>
-              <a:rPr lang="en-US" dirty="0"/>
-              <a:t>One Pair: 42.2579%</a:t>
-            </a:r>
-          </a:p>
-          <a:p>
-            <a:r>
-              <a:rPr lang="en-US" dirty="0"/>
-              <a:t>High Card: 50.1177%</a:t>
-            </a:r>
-          </a:p>
-        </p:txBody>
-      </p:sp>
-      <p:sp>
-        <p:nvSpPr>
-          <p:cNvPr id="8" name="Text Placeholder 7">
-            <a:extLst>
-              <a:ext uri="{FF2B5EF4-FFF2-40B4-BE49-F238E27FC236}">
-                <a16:creationId xmlns:a16="http://schemas.microsoft.com/office/drawing/2014/main" id="{FD0888ED-E8D2-4EC8-B5E4-110603724325}"/>
-              </a:ext>
-            </a:extLst>
-          </p:cNvPr>
-          <p:cNvSpPr>
-            <a:spLocks noGrp="1"/>
-          </p:cNvSpPr>
-          <p:nvPr>
-            <p:ph type="body" sz="half" idx="2"/>
-          </p:nvPr>
-        </p:nvSpPr>
-        <p:spPr/>
-        <p:txBody>
-          <a:bodyPr>
-            <a:normAutofit/>
-          </a:bodyPr>
-          <a:lstStyle/>
-          <a:p>
-            <a:r>
-              <a:rPr lang="en-US" dirty="0"/>
-              <a:t>Differs from the training and data set.</a:t>
-            </a:r>
-          </a:p>
-          <a:p>
-            <a:r>
-              <a:rPr lang="en-US" dirty="0"/>
-              <a:t>Straight Flush &amp; Royal Flush is oversampled in training (14 and 129 times more likely respectively)</a:t>
-            </a:r>
-          </a:p>
-          <a:p>
-            <a:r>
-              <a:rPr lang="en-US" dirty="0"/>
-              <a:t>Cumulative prob. above 1 pair is 7.62%</a:t>
-            </a:r>
-          </a:p>
-        </p:txBody>
-      </p:sp>
-    </p:spTree>
-    <p:extLst>
-      <p:ext uri="{BB962C8B-B14F-4D97-AF65-F5344CB8AC3E}">
-        <p14:creationId xmlns:p14="http://schemas.microsoft.com/office/powerpoint/2010/main" val="673367930"/>
-      </p:ext>
-    </p:extLst>
-  </p:cSld>
-  <p:clrMapOvr>
-    <a:masterClrMapping/>
-  </p:clrMapOvr>
-</p:sld>
-</file>
-
 <file path=ppt/slides/slide5.xml><?xml version="1.0" encoding="utf-8"?>
 <p:sld xmlns:a="http://schemas.openxmlformats.org/drawingml/2006/main" xmlns:r="http://schemas.openxmlformats.org/officeDocument/2006/relationships" xmlns:p="http://schemas.openxmlformats.org/presentationml/2006/main">
   <p:cSld>
@@ -6539,10 +6897,10 @@
       </p:grpSpPr>
       <p:sp>
         <p:nvSpPr>
-          <p:cNvPr id="2" name="Title 1">
+          <p:cNvPr id="5" name="Title 4">
             <a:extLst>
               <a:ext uri="{FF2B5EF4-FFF2-40B4-BE49-F238E27FC236}">
-                <a16:creationId xmlns:a16="http://schemas.microsoft.com/office/drawing/2014/main" id="{DB7D1406-D058-438A-B969-33956FBC388B}"/>
+                <a16:creationId xmlns:a16="http://schemas.microsoft.com/office/drawing/2014/main" id="{B5736BC8-5050-429B-B795-9813B2B1BEC8}"/>
               </a:ext>
             </a:extLst>
           </p:cNvPr>
@@ -6560,17 +6918,17 @@
           <a:p>
             <a:r>
               <a:rPr lang="en-US" dirty="0"/>
-              <a:t>Project motivations</a:t>
-            </a:r>
-          </a:p>
-        </p:txBody>
-      </p:sp>
-      <p:sp>
-        <p:nvSpPr>
-          <p:cNvPr id="3" name="Content Placeholder 2">
+              <a:t>True odds</a:t>
+            </a:r>
+          </a:p>
+        </p:txBody>
+      </p:sp>
+      <p:sp>
+        <p:nvSpPr>
+          <p:cNvPr id="7" name="Content Placeholder 6">
             <a:extLst>
               <a:ext uri="{FF2B5EF4-FFF2-40B4-BE49-F238E27FC236}">
-                <a16:creationId xmlns:a16="http://schemas.microsoft.com/office/drawing/2014/main" id="{898DA1FB-C95B-4024-9FAD-C7279DE3876E}"/>
+                <a16:creationId xmlns:a16="http://schemas.microsoft.com/office/drawing/2014/main" id="{FF7B363C-73AE-4B66-9953-86BF761CDB01}"/>
               </a:ext>
             </a:extLst>
           </p:cNvPr>
@@ -6588,19 +6946,103 @@
           <a:p>
             <a:r>
               <a:rPr lang="en-US" dirty="0"/>
-              <a:t>The idea of using a neural network to play a game is fun</a:t>
-            </a:r>
-          </a:p>
-          <a:p>
-            <a:r>
-              <a:rPr lang="en-US" dirty="0"/>
-              <a:t>Poker is an easy game to understand and play</a:t>
-            </a:r>
-          </a:p>
-          <a:p>
-            <a:r>
-              <a:rPr lang="en-US" dirty="0"/>
-              <a:t>Poker provides a challenging task for traditional classification algorithms that seems well-suited for a neural network to solve</a:t>
+              <a:t>Royal Flush: 0.000154%</a:t>
+            </a:r>
+          </a:p>
+          <a:p>
+            <a:r>
+              <a:rPr lang="en-US" dirty="0"/>
+              <a:t>Straight Flush: 0.00139%</a:t>
+            </a:r>
+          </a:p>
+          <a:p>
+            <a:r>
+              <a:rPr lang="en-US" dirty="0"/>
+              <a:t>Four of a Kind: 0.0240%</a:t>
+            </a:r>
+          </a:p>
+          <a:p>
+            <a:r>
+              <a:rPr lang="en-US" dirty="0"/>
+              <a:t>Full House: 0.1441% </a:t>
+            </a:r>
+          </a:p>
+          <a:p>
+            <a:r>
+              <a:rPr lang="en-US" dirty="0"/>
+              <a:t>Flush: 0.1965%</a:t>
+            </a:r>
+          </a:p>
+          <a:p>
+            <a:r>
+              <a:rPr lang="en-US" dirty="0"/>
+              <a:t>Straight: 0.3925%</a:t>
+            </a:r>
+          </a:p>
+          <a:p>
+            <a:r>
+              <a:rPr lang="en-US" dirty="0"/>
+              <a:t>Three of a Kind: 2.1128%</a:t>
+            </a:r>
+          </a:p>
+          <a:p>
+            <a:r>
+              <a:rPr lang="en-US" dirty="0"/>
+              <a:t>Two Pair: 4.7539%</a:t>
+            </a:r>
+          </a:p>
+          <a:p>
+            <a:r>
+              <a:rPr lang="en-US" dirty="0"/>
+              <a:t>One Pair: 42.2579%</a:t>
+            </a:r>
+          </a:p>
+          <a:p>
+            <a:r>
+              <a:rPr lang="en-US" dirty="0"/>
+              <a:t>High Card: 50.1177%</a:t>
+            </a:r>
+          </a:p>
+        </p:txBody>
+      </p:sp>
+      <p:sp>
+        <p:nvSpPr>
+          <p:cNvPr id="8" name="Text Placeholder 7">
+            <a:extLst>
+              <a:ext uri="{FF2B5EF4-FFF2-40B4-BE49-F238E27FC236}">
+                <a16:creationId xmlns:a16="http://schemas.microsoft.com/office/drawing/2014/main" id="{FD0888ED-E8D2-4EC8-B5E4-110603724325}"/>
+              </a:ext>
+            </a:extLst>
+          </p:cNvPr>
+          <p:cNvSpPr>
+            <a:spLocks noGrp="1"/>
+          </p:cNvSpPr>
+          <p:nvPr>
+            <p:ph type="body" sz="half" idx="2"/>
+          </p:nvPr>
+        </p:nvSpPr>
+        <p:spPr/>
+        <p:txBody>
+          <a:bodyPr>
+            <a:normAutofit/>
+          </a:bodyPr>
+          <a:lstStyle/>
+          <a:p>
+            <a:r>
+              <a:rPr lang="en-US" dirty="0"/>
+              <a:t>Differs from the training and data set.</a:t>
+            </a:r>
+          </a:p>
+          <a:p>
+            <a:r>
+              <a:rPr lang="en-US" dirty="0"/>
+              <a:t>Straight Flush &amp; Royal Flush is oversampled in training (14 and 129 times more likely respectively)</a:t>
+            </a:r>
+          </a:p>
+          <a:p>
+            <a:r>
+              <a:rPr lang="en-US" dirty="0"/>
+              <a:t>Cumulative prob. above 1 pair is 7.62%</a:t>
             </a:r>
           </a:p>
         </p:txBody>
@@ -6608,7 +7050,7 @@
     </p:spTree>
     <p:extLst>
       <p:ext uri="{BB962C8B-B14F-4D97-AF65-F5344CB8AC3E}">
-        <p14:creationId xmlns:p14="http://schemas.microsoft.com/office/powerpoint/2010/main" val="784921588"/>
+        <p14:creationId xmlns:p14="http://schemas.microsoft.com/office/powerpoint/2010/main" val="673367930"/>
       </p:ext>
     </p:extLst>
   </p:cSld>
@@ -6640,7 +7082,7 @@
           <p:cNvPr id="2" name="Title 1">
             <a:extLst>
               <a:ext uri="{FF2B5EF4-FFF2-40B4-BE49-F238E27FC236}">
-                <a16:creationId xmlns:a16="http://schemas.microsoft.com/office/drawing/2014/main" id="{C21EDDC6-2BA7-47F5-ACE7-A87973DFFBD7}"/>
+                <a16:creationId xmlns:a16="http://schemas.microsoft.com/office/drawing/2014/main" id="{DB7D1406-D058-438A-B969-33956FBC388B}"/>
               </a:ext>
             </a:extLst>
           </p:cNvPr>
@@ -6658,7 +7100,7 @@
           <a:p>
             <a:r>
               <a:rPr lang="en-US" dirty="0"/>
-              <a:t>Why use a neural network?</a:t>
+              <a:t>Project motivations</a:t>
             </a:r>
           </a:p>
         </p:txBody>
@@ -6668,7 +7110,7 @@
           <p:cNvPr id="3" name="Content Placeholder 2">
             <a:extLst>
               <a:ext uri="{FF2B5EF4-FFF2-40B4-BE49-F238E27FC236}">
-                <a16:creationId xmlns:a16="http://schemas.microsoft.com/office/drawing/2014/main" id="{366069D6-C7C1-49AF-9890-54D04AFA009E}"/>
+                <a16:creationId xmlns:a16="http://schemas.microsoft.com/office/drawing/2014/main" id="{898DA1FB-C95B-4024-9FAD-C7279DE3876E}"/>
               </a:ext>
             </a:extLst>
           </p:cNvPr>
@@ -6686,38 +7128,40 @@
           <a:p>
             <a:r>
               <a:rPr lang="en-US" dirty="0"/>
-              <a:t>Saves time thinking of and implementing an appropriate classification algorithm</a:t>
-            </a:r>
-          </a:p>
-          <a:p>
-            <a:r>
-              <a:rPr lang="en-US" dirty="0"/>
-              <a:t>Given a good enough classifier, the same neural network can be used for more than one variant of poker</a:t>
-            </a:r>
-          </a:p>
-          <a:p>
-            <a:r>
-              <a:rPr lang="en-US" dirty="0"/>
-              <a:t>The same network can also be used for multiple different drivers as long as the software supports the same framework (i.e. </a:t>
-            </a:r>
-            <a:r>
-              <a:rPr lang="en-US" dirty="0" err="1"/>
-              <a:t>Keras</a:t>
-            </a:r>
-            <a:r>
-              <a:rPr lang="en-US" dirty="0"/>
-              <a:t>)</a:t>
-            </a:r>
-          </a:p>
-          <a:p>
-            <a:endParaRPr lang="en-US" dirty="0"/>
+              <a:t>The idea of using a neural network to play a game is engaging</a:t>
+            </a:r>
+          </a:p>
+          <a:p>
+            <a:r>
+              <a:rPr lang="en-US" dirty="0"/>
+              <a:t>Poker is a straightforward game to understand and play</a:t>
+            </a:r>
+          </a:p>
+          <a:p>
+            <a:r>
+              <a:rPr lang="en-US" dirty="0"/>
+              <a:t>Poker provides a challenging task for traditional classification algorithms that seems well-suited for a neural network to solve</a:t>
+            </a:r>
+          </a:p>
+          <a:p>
+            <a:pPr lvl="1"/>
+            <a:r>
+              <a:rPr lang="en-US" dirty="0"/>
+              <a:t>The reason is because the poker data set is “imbalanced” to favor lower ranked hands</a:t>
+            </a:r>
+          </a:p>
+          <a:p>
+            <a:r>
+              <a:rPr lang="en-US" dirty="0"/>
+              <a:t>Our team wanted to find out if a convolutional neural net could successfully compete in this task against a traditional feed forward net</a:t>
+            </a:r>
           </a:p>
         </p:txBody>
       </p:sp>
     </p:spTree>
     <p:extLst>
       <p:ext uri="{BB962C8B-B14F-4D97-AF65-F5344CB8AC3E}">
-        <p14:creationId xmlns:p14="http://schemas.microsoft.com/office/powerpoint/2010/main" val="1977176708"/>
+        <p14:creationId xmlns:p14="http://schemas.microsoft.com/office/powerpoint/2010/main" val="784921588"/>
       </p:ext>
     </p:extLst>
   </p:cSld>
@@ -6749,7 +7193,7 @@
           <p:cNvPr id="2" name="Title 1">
             <a:extLst>
               <a:ext uri="{FF2B5EF4-FFF2-40B4-BE49-F238E27FC236}">
-                <a16:creationId xmlns:a16="http://schemas.microsoft.com/office/drawing/2014/main" id="{E11763BE-FA3C-498A-851F-9F4709760FE4}"/>
+                <a16:creationId xmlns:a16="http://schemas.microsoft.com/office/drawing/2014/main" id="{C21EDDC6-2BA7-47F5-ACE7-A87973DFFBD7}"/>
               </a:ext>
             </a:extLst>
           </p:cNvPr>
@@ -6767,7 +7211,7 @@
           <a:p>
             <a:r>
               <a:rPr lang="en-US" dirty="0"/>
-              <a:t>Key aims</a:t>
+              <a:t>Why use a neural network?</a:t>
             </a:r>
           </a:p>
         </p:txBody>
@@ -6777,7 +7221,7 @@
           <p:cNvPr id="3" name="Content Placeholder 2">
             <a:extLst>
               <a:ext uri="{FF2B5EF4-FFF2-40B4-BE49-F238E27FC236}">
-                <a16:creationId xmlns:a16="http://schemas.microsoft.com/office/drawing/2014/main" id="{D62BEED0-C901-475B-9EBA-9D2015A3FE33}"/>
+                <a16:creationId xmlns:a16="http://schemas.microsoft.com/office/drawing/2014/main" id="{366069D6-C7C1-49AF-9890-54D04AFA009E}"/>
               </a:ext>
             </a:extLst>
           </p:cNvPr>
@@ -6790,17 +7234,67 @@
         </p:nvSpPr>
         <p:spPr/>
         <p:txBody>
-          <a:bodyPr/>
-          <a:lstStyle/>
-          <a:p>
-            <a:endParaRPr lang="en-US"/>
+          <a:bodyPr>
+            <a:normAutofit lnSpcReduction="10000"/>
+          </a:bodyPr>
+          <a:lstStyle/>
+          <a:p>
+            <a:r>
+              <a:rPr lang="en-US" dirty="0"/>
+              <a:t>Saves time thinking of and implementing an appropriate classification algorithm to exhaust all possibilities of a hand</a:t>
+            </a:r>
+          </a:p>
+          <a:p>
+            <a:r>
+              <a:rPr lang="en-US" dirty="0"/>
+              <a:t>Given a good enough classifier, the same neural network can be used for more than one variant of poker</a:t>
+            </a:r>
+          </a:p>
+          <a:p>
+            <a:r>
+              <a:rPr lang="en-US" dirty="0"/>
+              <a:t>The same network can also be used for multiple different drivers as long as the software supports the same framework (i.e. </a:t>
+            </a:r>
+            <a:r>
+              <a:rPr lang="en-US" dirty="0" err="1"/>
+              <a:t>Keras</a:t>
+            </a:r>
+            <a:r>
+              <a:rPr lang="en-US" dirty="0"/>
+              <a:t>)</a:t>
+            </a:r>
+          </a:p>
+          <a:p>
+            <a:r>
+              <a:rPr lang="en-US" dirty="0"/>
+              <a:t>If the goal is to make a poker-playing agent that </a:t>
+            </a:r>
+            <a:r>
+              <a:rPr lang="en-US" i="1" dirty="0"/>
+              <a:t>acts</a:t>
+            </a:r>
+            <a:r>
+              <a:rPr lang="en-US" dirty="0"/>
+              <a:t> like a human, then it would be most accurate to have an agent that does not perfectly classify the hands that are presented (</a:t>
+            </a:r>
+            <a:r>
+              <a:rPr lang="en-US" dirty="0" err="1"/>
+              <a:t>mis</a:t>
+            </a:r>
+            <a:r>
+              <a:rPr lang="en-US" dirty="0"/>
+              <a:t>-read)</a:t>
+            </a:r>
+          </a:p>
+          <a:p>
+            <a:endParaRPr lang="en-US" dirty="0"/>
           </a:p>
         </p:txBody>
       </p:sp>
     </p:spTree>
     <p:extLst>
       <p:ext uri="{BB962C8B-B14F-4D97-AF65-F5344CB8AC3E}">
-        <p14:creationId xmlns:p14="http://schemas.microsoft.com/office/powerpoint/2010/main" val="1353845262"/>
+        <p14:creationId xmlns:p14="http://schemas.microsoft.com/office/powerpoint/2010/main" val="1977176708"/>
       </p:ext>
     </p:extLst>
   </p:cSld>
@@ -6832,7 +7326,7 @@
           <p:cNvPr id="2" name="Title 1">
             <a:extLst>
               <a:ext uri="{FF2B5EF4-FFF2-40B4-BE49-F238E27FC236}">
-                <a16:creationId xmlns:a16="http://schemas.microsoft.com/office/drawing/2014/main" id="{9F3037E7-72E1-4286-88FD-17C8D4E8921B}"/>
+                <a16:creationId xmlns:a16="http://schemas.microsoft.com/office/drawing/2014/main" id="{8913A122-F399-4999-890B-DC4AF6572894}"/>
               </a:ext>
             </a:extLst>
           </p:cNvPr>
@@ -6845,51 +7339,145 @@
         </p:nvSpPr>
         <p:spPr/>
         <p:txBody>
-          <a:bodyPr/>
-          <a:lstStyle/>
-          <a:p>
-            <a:r>
-              <a:rPr lang="en-US" dirty="0"/>
-              <a:t>strategy</a:t>
-            </a:r>
-          </a:p>
-        </p:txBody>
-      </p:sp>
-      <p:sp>
-        <p:nvSpPr>
-          <p:cNvPr id="3" name="Content Placeholder 2">
+          <a:bodyPr>
+            <a:normAutofit fontScale="90000"/>
+          </a:bodyPr>
+          <a:lstStyle/>
+          <a:p>
+            <a:pPr algn="ctr"/>
+            <a:r>
+              <a:rPr lang="en-US" sz="5400" dirty="0"/>
+              <a:t>Lol just code it explicitly</a:t>
+            </a:r>
+          </a:p>
+        </p:txBody>
+      </p:sp>
+      <p:pic>
+        <p:nvPicPr>
+          <p:cNvPr id="5" name="Content Placeholder 4">
             <a:extLst>
               <a:ext uri="{FF2B5EF4-FFF2-40B4-BE49-F238E27FC236}">
-                <a16:creationId xmlns:a16="http://schemas.microsoft.com/office/drawing/2014/main" id="{38DF5758-B57F-4D38-B827-28DE3BC59CBD}"/>
+                <a16:creationId xmlns:a16="http://schemas.microsoft.com/office/drawing/2014/main" id="{BB17BC40-2B4C-4779-B53F-D63B131AF013}"/>
               </a:ext>
             </a:extLst>
           </p:cNvPr>
-          <p:cNvSpPr>
-            <a:spLocks noGrp="1"/>
-          </p:cNvSpPr>
+          <p:cNvPicPr>
+            <a:picLocks noGrp="1" noChangeAspect="1"/>
+          </p:cNvPicPr>
           <p:nvPr>
             <p:ph idx="1"/>
           </p:nvPr>
-        </p:nvSpPr>
-        <p:spPr/>
-        <p:txBody>
-          <a:bodyPr/>
-          <a:lstStyle/>
-          <a:p>
-            <a:endParaRPr lang="en-US"/>
-          </a:p>
-        </p:txBody>
-      </p:sp>
+        </p:nvPicPr>
+        <p:blipFill>
+          <a:blip r:embed="rId2"/>
+          <a:stretch>
+            <a:fillRect/>
+          </a:stretch>
+        </p:blipFill>
+        <p:spPr>
+          <a:xfrm>
+            <a:off x="3611685" y="685800"/>
+            <a:ext cx="2679455" cy="3614738"/>
+          </a:xfrm>
+        </p:spPr>
+      </p:pic>
     </p:spTree>
     <p:extLst>
       <p:ext uri="{BB962C8B-B14F-4D97-AF65-F5344CB8AC3E}">
-        <p14:creationId xmlns:p14="http://schemas.microsoft.com/office/powerpoint/2010/main" val="1481801365"/>
+        <p14:creationId xmlns:p14="http://schemas.microsoft.com/office/powerpoint/2010/main" val="1652965546"/>
       </p:ext>
     </p:extLst>
   </p:cSld>
   <p:clrMapOvr>
     <a:masterClrMapping/>
   </p:clrMapOvr>
+  <mc:AlternateContent xmlns:mc="http://schemas.openxmlformats.org/markup-compatibility/2006">
+    <mc:Choice xmlns:p14="http://schemas.microsoft.com/office/powerpoint/2010/main" Requires="p14">
+      <p:transition spd="med" p14:dur="700">
+        <p:fade/>
+      </p:transition>
+    </mc:Choice>
+    <mc:Fallback>
+      <p:transition spd="med">
+        <p:fade/>
+      </p:transition>
+    </mc:Fallback>
+  </mc:AlternateContent>
+  <p:timing>
+    <p:tnLst>
+      <p:par>
+        <p:cTn id="1" dur="indefinite" restart="never" nodeType="tmRoot">
+          <p:childTnLst>
+            <p:seq concurrent="1" nextAc="seek">
+              <p:cTn id="2" dur="indefinite" nodeType="mainSeq">
+                <p:childTnLst>
+                  <p:par>
+                    <p:cTn id="3" fill="hold">
+                      <p:stCondLst>
+                        <p:cond delay="indefinite"/>
+                      </p:stCondLst>
+                      <p:childTnLst>
+                        <p:par>
+                          <p:cTn id="4" fill="hold">
+                            <p:stCondLst>
+                              <p:cond delay="0"/>
+                            </p:stCondLst>
+                            <p:childTnLst>
+                              <p:par>
+                                <p:cTn id="5" presetID="1" presetClass="entr" presetSubtype="0" fill="hold" nodeType="clickEffect">
+                                  <p:stCondLst>
+                                    <p:cond delay="0"/>
+                                  </p:stCondLst>
+                                  <p:childTnLst>
+                                    <p:set>
+                                      <p:cBhvr>
+                                        <p:cTn id="6" dur="1" fill="hold">
+                                          <p:stCondLst>
+                                            <p:cond delay="0"/>
+                                          </p:stCondLst>
+                                        </p:cTn>
+                                        <p:tgtEl>
+                                          <p:spTgt spid="5"/>
+                                        </p:tgtEl>
+                                        <p:attrNameLst>
+                                          <p:attrName>style.visibility</p:attrName>
+                                        </p:attrNameLst>
+                                      </p:cBhvr>
+                                      <p:to>
+                                        <p:strVal val="visible"/>
+                                      </p:to>
+                                    </p:set>
+                                  </p:childTnLst>
+                                </p:cTn>
+                              </p:par>
+                            </p:childTnLst>
+                          </p:cTn>
+                        </p:par>
+                      </p:childTnLst>
+                    </p:cTn>
+                  </p:par>
+                </p:childTnLst>
+              </p:cTn>
+              <p:prevCondLst>
+                <p:cond evt="onPrev" delay="0">
+                  <p:tgtEl>
+                    <p:sldTgt/>
+                  </p:tgtEl>
+                </p:cond>
+              </p:prevCondLst>
+              <p:nextCondLst>
+                <p:cond evt="onNext" delay="0">
+                  <p:tgtEl>
+                    <p:sldTgt/>
+                  </p:tgtEl>
+                </p:cond>
+              </p:nextCondLst>
+            </p:seq>
+          </p:childTnLst>
+        </p:cTn>
+      </p:par>
+    </p:tnLst>
+  </p:timing>
 </p:sld>
 </file>
 
@@ -6912,10 +7500,10 @@
       </p:grpSpPr>
       <p:sp>
         <p:nvSpPr>
-          <p:cNvPr id="4" name="Title 3">
+          <p:cNvPr id="2" name="Title 1">
             <a:extLst>
               <a:ext uri="{FF2B5EF4-FFF2-40B4-BE49-F238E27FC236}">
-                <a16:creationId xmlns:a16="http://schemas.microsoft.com/office/drawing/2014/main" id="{D011F165-4EE3-464C-8915-F45B2FD2A25D}"/>
+                <a16:creationId xmlns:a16="http://schemas.microsoft.com/office/drawing/2014/main" id="{8913A122-F399-4999-890B-DC4AF6572894}"/>
               </a:ext>
             </a:extLst>
           </p:cNvPr>
@@ -6928,51 +7516,123 @@
         </p:nvSpPr>
         <p:spPr/>
         <p:txBody>
-          <a:bodyPr/>
-          <a:lstStyle/>
-          <a:p>
-            <a:r>
-              <a:rPr lang="en-US" dirty="0"/>
-              <a:t>contributions</a:t>
-            </a:r>
-          </a:p>
-        </p:txBody>
-      </p:sp>
-      <p:sp>
-        <p:nvSpPr>
-          <p:cNvPr id="5" name="Text Placeholder 4">
+          <a:bodyPr>
+            <a:normAutofit/>
+          </a:bodyPr>
+          <a:lstStyle/>
+          <a:p>
+            <a:pPr algn="ctr"/>
+            <a:r>
+              <a:rPr lang="en-US" sz="5400" dirty="0"/>
+              <a:t>No</a:t>
+            </a:r>
+          </a:p>
+        </p:txBody>
+      </p:sp>
+      <p:pic>
+        <p:nvPicPr>
+          <p:cNvPr id="5" name="Content Placeholder 4">
             <a:extLst>
               <a:ext uri="{FF2B5EF4-FFF2-40B4-BE49-F238E27FC236}">
-                <a16:creationId xmlns:a16="http://schemas.microsoft.com/office/drawing/2014/main" id="{E83F06AC-6F1B-4CF9-87F6-5E5B158BA987}"/>
+                <a16:creationId xmlns:a16="http://schemas.microsoft.com/office/drawing/2014/main" id="{BB17BC40-2B4C-4779-B53F-D63B131AF013}"/>
               </a:ext>
             </a:extLst>
           </p:cNvPr>
-          <p:cNvSpPr>
-            <a:spLocks noGrp="1"/>
-          </p:cNvSpPr>
-          <p:nvPr>
-            <p:ph type="body" idx="1"/>
-          </p:nvPr>
-        </p:nvSpPr>
-        <p:spPr/>
-        <p:txBody>
-          <a:bodyPr/>
-          <a:lstStyle/>
-          <a:p>
-            <a:endParaRPr lang="en-US"/>
+          <p:cNvPicPr>
+            <a:picLocks noGrp="1" noChangeAspect="1"/>
+          </p:cNvPicPr>
+          <p:nvPr>
+            <p:ph idx="1"/>
+          </p:nvPr>
+        </p:nvPicPr>
+        <p:blipFill>
+          <a:blip r:embed="rId2"/>
+          <a:stretch>
+            <a:fillRect/>
+          </a:stretch>
+        </p:blipFill>
+        <p:spPr>
+          <a:xfrm>
+            <a:off x="3611685" y="685800"/>
+            <a:ext cx="2679455" cy="3614738"/>
+          </a:xfrm>
+        </p:spPr>
+      </p:pic>
+      <p:sp>
+        <p:nvSpPr>
+          <p:cNvPr id="3" name="&quot;Not Allowed&quot; Symbol 2">
+            <a:extLst>
+              <a:ext uri="{FF2B5EF4-FFF2-40B4-BE49-F238E27FC236}">
+                <a16:creationId xmlns:a16="http://schemas.microsoft.com/office/drawing/2014/main" id="{2B795E39-BBEE-4E7F-85EE-207539F937D2}"/>
+              </a:ext>
+            </a:extLst>
+          </p:cNvPr>
+          <p:cNvSpPr/>
+          <p:nvPr/>
+        </p:nvSpPr>
+        <p:spPr>
+          <a:xfrm>
+            <a:off x="3289738" y="685800"/>
+            <a:ext cx="3405352" cy="3801532"/>
+          </a:xfrm>
+          <a:prstGeom prst="noSmoking">
+            <a:avLst/>
+          </a:prstGeom>
+          <a:solidFill>
+            <a:schemeClr val="accent6"/>
+          </a:solidFill>
+        </p:spPr>
+        <p:style>
+          <a:lnRef idx="2">
+            <a:schemeClr val="accent1">
+              <a:shade val="50000"/>
+            </a:schemeClr>
+          </a:lnRef>
+          <a:fillRef idx="1">
+            <a:schemeClr val="accent1"/>
+          </a:fillRef>
+          <a:effectRef idx="0">
+            <a:schemeClr val="accent1"/>
+          </a:effectRef>
+          <a:fontRef idx="minor">
+            <a:schemeClr val="lt1"/>
+          </a:fontRef>
+        </p:style>
+        <p:txBody>
+          <a:bodyPr rtlCol="0" anchor="ctr"/>
+          <a:lstStyle/>
+          <a:p>
+            <a:pPr algn="ctr"/>
+            <a:endParaRPr lang="en-US">
+              <a:solidFill>
+                <a:schemeClr val="tx1"/>
+              </a:solidFill>
+            </a:endParaRPr>
           </a:p>
         </p:txBody>
       </p:sp>
     </p:spTree>
     <p:extLst>
       <p:ext uri="{BB962C8B-B14F-4D97-AF65-F5344CB8AC3E}">
-        <p14:creationId xmlns:p14="http://schemas.microsoft.com/office/powerpoint/2010/main" val="2748202497"/>
+        <p14:creationId xmlns:p14="http://schemas.microsoft.com/office/powerpoint/2010/main" val="3271555406"/>
       </p:ext>
     </p:extLst>
   </p:cSld>
   <p:clrMapOvr>
     <a:masterClrMapping/>
   </p:clrMapOvr>
+  <mc:AlternateContent xmlns:mc="http://schemas.openxmlformats.org/markup-compatibility/2006">
+    <mc:Choice xmlns:p14="http://schemas.microsoft.com/office/powerpoint/2010/main" Requires="p14">
+      <p:transition spd="med" p14:dur="700">
+        <p:fade/>
+      </p:transition>
+    </mc:Choice>
+    <mc:Fallback>
+      <p:transition spd="med">
+        <p:fade/>
+      </p:transition>
+    </mc:Fallback>
+  </mc:AlternateContent>
 </p:sld>
 </file>
 

--- a/PresentationSlides.pptx
+++ b/PresentationSlides.pptx
@@ -17,8 +17,9 @@
     <p:sldId id="260" r:id="rId11"/>
     <p:sldId id="261" r:id="rId12"/>
     <p:sldId id="269" r:id="rId13"/>
-    <p:sldId id="257" r:id="rId14"/>
-    <p:sldId id="259" r:id="rId15"/>
+    <p:sldId id="270" r:id="rId14"/>
+    <p:sldId id="257" r:id="rId15"/>
+    <p:sldId id="259" r:id="rId16"/>
   </p:sldIdLst>
   <p:sldSz cx="12192000" cy="6858000"/>
   <p:notesSz cx="6858000" cy="9144000"/>
@@ -321,7 +322,7 @@
             <a:fld id="{B61BEF0D-F0BB-DE4B-95CE-6DB70DBA9567}" type="datetimeFigureOut">
               <a:rPr lang="en-US" dirty="0"/>
               <a:pPr/>
-              <a:t>5/2/2018</a:t>
+              <a:t>5/3/2018</a:t>
             </a:fld>
             <a:endParaRPr lang="en-US" dirty="0"/>
           </a:p>
@@ -754,7 +755,7 @@
             <a:fld id="{B61BEF0D-F0BB-DE4B-95CE-6DB70DBA9567}" type="datetimeFigureOut">
               <a:rPr lang="en-US" dirty="0"/>
               <a:pPr/>
-              <a:t>5/2/2018</a:t>
+              <a:t>5/3/2018</a:t>
             </a:fld>
             <a:endParaRPr lang="en-US" dirty="0"/>
           </a:p>
@@ -1001,7 +1002,7 @@
             <a:fld id="{B61BEF0D-F0BB-DE4B-95CE-6DB70DBA9567}" type="datetimeFigureOut">
               <a:rPr lang="en-US" dirty="0"/>
               <a:pPr/>
-              <a:t>5/2/2018</a:t>
+              <a:t>5/3/2018</a:t>
             </a:fld>
             <a:endParaRPr lang="en-US" dirty="0"/>
           </a:p>
@@ -1306,7 +1307,7 @@
             <a:fld id="{B61BEF0D-F0BB-DE4B-95CE-6DB70DBA9567}" type="datetimeFigureOut">
               <a:rPr lang="en-US" dirty="0"/>
               <a:pPr/>
-              <a:t>5/2/2018</a:t>
+              <a:t>5/3/2018</a:t>
             </a:fld>
             <a:endParaRPr lang="en-US" dirty="0"/>
           </a:p>
@@ -1621,7 +1622,7 @@
             <a:fld id="{B61BEF0D-F0BB-DE4B-95CE-6DB70DBA9567}" type="datetimeFigureOut">
               <a:rPr lang="en-US" dirty="0"/>
               <a:pPr/>
-              <a:t>5/2/2018</a:t>
+              <a:t>5/3/2018</a:t>
             </a:fld>
             <a:endParaRPr lang="en-US" dirty="0"/>
           </a:p>
@@ -1920,7 +1921,7 @@
             <a:fld id="{B61BEF0D-F0BB-DE4B-95CE-6DB70DBA9567}" type="datetimeFigureOut">
               <a:rPr lang="en-US" dirty="0"/>
               <a:pPr/>
-              <a:t>5/2/2018</a:t>
+              <a:t>5/3/2018</a:t>
             </a:fld>
             <a:endParaRPr lang="en-US" dirty="0"/>
           </a:p>
@@ -2284,7 +2285,7 @@
             <a:fld id="{B61BEF0D-F0BB-DE4B-95CE-6DB70DBA9567}" type="datetimeFigureOut">
               <a:rPr lang="en-US" dirty="0"/>
               <a:pPr/>
-              <a:t>5/2/2018</a:t>
+              <a:t>5/3/2018</a:t>
             </a:fld>
             <a:endParaRPr lang="en-US" dirty="0"/>
           </a:p>
@@ -2455,7 +2456,7 @@
             <a:fld id="{B61BEF0D-F0BB-DE4B-95CE-6DB70DBA9567}" type="datetimeFigureOut">
               <a:rPr lang="en-US" dirty="0"/>
               <a:pPr/>
-              <a:t>5/2/2018</a:t>
+              <a:t>5/3/2018</a:t>
             </a:fld>
             <a:endParaRPr lang="en-US" dirty="0"/>
           </a:p>
@@ -2632,7 +2633,7 @@
             <a:fld id="{B61BEF0D-F0BB-DE4B-95CE-6DB70DBA9567}" type="datetimeFigureOut">
               <a:rPr lang="en-US" dirty="0"/>
               <a:pPr/>
-              <a:t>5/2/2018</a:t>
+              <a:t>5/3/2018</a:t>
             </a:fld>
             <a:endParaRPr lang="en-US" dirty="0"/>
           </a:p>
@@ -2799,7 +2800,7 @@
             <a:fld id="{B61BEF0D-F0BB-DE4B-95CE-6DB70DBA9567}" type="datetimeFigureOut">
               <a:rPr lang="en-US" dirty="0"/>
               <a:pPr/>
-              <a:t>5/2/2018</a:t>
+              <a:t>5/3/2018</a:t>
             </a:fld>
             <a:endParaRPr lang="en-US" dirty="0"/>
           </a:p>
@@ -3046,7 +3047,7 @@
             <a:fld id="{B61BEF0D-F0BB-DE4B-95CE-6DB70DBA9567}" type="datetimeFigureOut">
               <a:rPr lang="en-US" dirty="0"/>
               <a:pPr/>
-              <a:t>5/2/2018</a:t>
+              <a:t>5/3/2018</a:t>
             </a:fld>
             <a:endParaRPr lang="en-US" dirty="0"/>
           </a:p>
@@ -3279,7 +3280,7 @@
             <a:fld id="{B61BEF0D-F0BB-DE4B-95CE-6DB70DBA9567}" type="datetimeFigureOut">
               <a:rPr lang="en-US" dirty="0"/>
               <a:pPr/>
-              <a:t>5/2/2018</a:t>
+              <a:t>5/3/2018</a:t>
             </a:fld>
             <a:endParaRPr lang="en-US" dirty="0"/>
           </a:p>
@@ -3658,7 +3659,7 @@
             <a:fld id="{B61BEF0D-F0BB-DE4B-95CE-6DB70DBA9567}" type="datetimeFigureOut">
               <a:rPr lang="en-US" dirty="0"/>
               <a:pPr/>
-              <a:t>5/2/2018</a:t>
+              <a:t>5/3/2018</a:t>
             </a:fld>
             <a:endParaRPr lang="en-US" dirty="0"/>
           </a:p>
@@ -3773,7 +3774,7 @@
             <a:fld id="{B61BEF0D-F0BB-DE4B-95CE-6DB70DBA9567}" type="datetimeFigureOut">
               <a:rPr lang="en-US" dirty="0"/>
               <a:pPr/>
-              <a:t>5/2/2018</a:t>
+              <a:t>5/3/2018</a:t>
             </a:fld>
             <a:endParaRPr lang="en-US" dirty="0"/>
           </a:p>
@@ -3865,7 +3866,7 @@
             <a:fld id="{B61BEF0D-F0BB-DE4B-95CE-6DB70DBA9567}" type="datetimeFigureOut">
               <a:rPr lang="en-US" dirty="0"/>
               <a:pPr/>
-              <a:t>5/2/2018</a:t>
+              <a:t>5/3/2018</a:t>
             </a:fld>
             <a:endParaRPr lang="en-US" dirty="0"/>
           </a:p>
@@ -4117,7 +4118,7 @@
             <a:fld id="{B61BEF0D-F0BB-DE4B-95CE-6DB70DBA9567}" type="datetimeFigureOut">
               <a:rPr lang="en-US" dirty="0"/>
               <a:pPr/>
-              <a:t>5/2/2018</a:t>
+              <a:t>5/3/2018</a:t>
             </a:fld>
             <a:endParaRPr lang="en-US" dirty="0"/>
           </a:p>
@@ -4397,7 +4398,7 @@
             <a:fld id="{B61BEF0D-F0BB-DE4B-95CE-6DB70DBA9567}" type="datetimeFigureOut">
               <a:rPr lang="en-US" dirty="0"/>
               <a:pPr/>
-              <a:t>5/2/2018</a:t>
+              <a:t>5/3/2018</a:t>
             </a:fld>
             <a:endParaRPr lang="en-US" dirty="0"/>
           </a:p>
@@ -4800,7 +4801,7 @@
             <a:fld id="{B61BEF0D-F0BB-DE4B-95CE-6DB70DBA9567}" type="datetimeFigureOut">
               <a:rPr lang="en-US" dirty="0"/>
               <a:pPr/>
-              <a:t>5/2/2018</a:t>
+              <a:t>5/3/2018</a:t>
             </a:fld>
             <a:endParaRPr lang="en-US" dirty="0"/>
           </a:p>
@@ -5773,6 +5774,209 @@
       </p:grpSpPr>
       <p:sp>
         <p:nvSpPr>
+          <p:cNvPr id="2" name="Title 1">
+            <a:extLst>
+              <a:ext uri="{FF2B5EF4-FFF2-40B4-BE49-F238E27FC236}">
+                <a16:creationId xmlns:a16="http://schemas.microsoft.com/office/drawing/2014/main" id="{9F262769-C3E2-4581-BBE6-EA2204040F1B}"/>
+              </a:ext>
+            </a:extLst>
+          </p:cNvPr>
+          <p:cNvSpPr>
+            <a:spLocks noGrp="1"/>
+          </p:cNvSpPr>
+          <p:nvPr>
+            <p:ph type="title"/>
+          </p:nvPr>
+        </p:nvSpPr>
+        <p:spPr/>
+        <p:txBody>
+          <a:bodyPr/>
+          <a:lstStyle/>
+          <a:p>
+            <a:r>
+              <a:rPr lang="en-US" dirty="0" err="1"/>
+              <a:t>ResultS</a:t>
+            </a:r>
+            <a:endParaRPr lang="en-US" dirty="0"/>
+          </a:p>
+        </p:txBody>
+      </p:sp>
+      <p:sp>
+        <p:nvSpPr>
+          <p:cNvPr id="14" name="Text Placeholder 13">
+            <a:extLst>
+              <a:ext uri="{FF2B5EF4-FFF2-40B4-BE49-F238E27FC236}">
+                <a16:creationId xmlns:a16="http://schemas.microsoft.com/office/drawing/2014/main" id="{EC4E70E6-A654-4D67-B1CC-3549A9F04AFF}"/>
+              </a:ext>
+            </a:extLst>
+          </p:cNvPr>
+          <p:cNvSpPr>
+            <a:spLocks noGrp="1"/>
+          </p:cNvSpPr>
+          <p:nvPr>
+            <p:ph type="body" idx="1"/>
+          </p:nvPr>
+        </p:nvSpPr>
+        <p:spPr/>
+        <p:txBody>
+          <a:bodyPr/>
+          <a:lstStyle/>
+          <a:p>
+            <a:r>
+              <a:rPr lang="en-US" dirty="0"/>
+              <a:t>Feed-forward</a:t>
+            </a:r>
+          </a:p>
+        </p:txBody>
+      </p:sp>
+      <p:pic>
+        <p:nvPicPr>
+          <p:cNvPr id="19" name="Content Placeholder 18">
+            <a:extLst>
+              <a:ext uri="{FF2B5EF4-FFF2-40B4-BE49-F238E27FC236}">
+                <a16:creationId xmlns:a16="http://schemas.microsoft.com/office/drawing/2014/main" id="{4B32A562-C3F7-41D4-8936-315654F0942A}"/>
+              </a:ext>
+            </a:extLst>
+          </p:cNvPr>
+          <p:cNvPicPr>
+            <a:picLocks noGrp="1" noChangeAspect="1"/>
+          </p:cNvPicPr>
+          <p:nvPr>
+            <p:ph sz="half" idx="2"/>
+          </p:nvPr>
+        </p:nvPicPr>
+        <p:blipFill>
+          <a:blip r:embed="rId2"/>
+          <a:stretch>
+            <a:fillRect/>
+          </a:stretch>
+        </p:blipFill>
+        <p:spPr>
+          <a:xfrm>
+            <a:off x="1043251" y="1461459"/>
+            <a:ext cx="4219048" cy="2647619"/>
+          </a:xfrm>
+        </p:spPr>
+      </p:pic>
+      <p:sp>
+        <p:nvSpPr>
+          <p:cNvPr id="16" name="Text Placeholder 15">
+            <a:extLst>
+              <a:ext uri="{FF2B5EF4-FFF2-40B4-BE49-F238E27FC236}">
+                <a16:creationId xmlns:a16="http://schemas.microsoft.com/office/drawing/2014/main" id="{BBEFB9FF-59C7-4827-883B-D529CC5FF422}"/>
+              </a:ext>
+            </a:extLst>
+          </p:cNvPr>
+          <p:cNvSpPr>
+            <a:spLocks noGrp="1"/>
+          </p:cNvSpPr>
+          <p:nvPr>
+            <p:ph type="body" sz="quarter" idx="3"/>
+          </p:nvPr>
+        </p:nvSpPr>
+        <p:spPr/>
+        <p:txBody>
+          <a:bodyPr/>
+          <a:lstStyle/>
+          <a:p>
+            <a:r>
+              <a:rPr lang="en-US" dirty="0"/>
+              <a:t>Convolutional</a:t>
+            </a:r>
+          </a:p>
+        </p:txBody>
+      </p:sp>
+      <p:pic>
+        <p:nvPicPr>
+          <p:cNvPr id="21" name="Content Placeholder 20">
+            <a:extLst>
+              <a:ext uri="{FF2B5EF4-FFF2-40B4-BE49-F238E27FC236}">
+                <a16:creationId xmlns:a16="http://schemas.microsoft.com/office/drawing/2014/main" id="{744A3C62-A665-4DE2-9648-87633B0FCAB0}"/>
+              </a:ext>
+            </a:extLst>
+          </p:cNvPr>
+          <p:cNvPicPr>
+            <a:picLocks noGrp="1" noChangeAspect="1"/>
+          </p:cNvPicPr>
+          <p:nvPr>
+            <p:ph sz="quarter" idx="4"/>
+          </p:nvPr>
+        </p:nvPicPr>
+        <p:blipFill>
+          <a:blip r:embed="rId3"/>
+          <a:stretch>
+            <a:fillRect/>
+          </a:stretch>
+        </p:blipFill>
+        <p:spPr>
+          <a:xfrm>
+            <a:off x="5807075" y="1324928"/>
+            <a:ext cx="4929188" cy="2904807"/>
+          </a:xfrm>
+        </p:spPr>
+      </p:pic>
+      <p:pic>
+        <p:nvPicPr>
+          <p:cNvPr id="23" name="Picture 22">
+            <a:extLst>
+              <a:ext uri="{FF2B5EF4-FFF2-40B4-BE49-F238E27FC236}">
+                <a16:creationId xmlns:a16="http://schemas.microsoft.com/office/drawing/2014/main" id="{E37B0B54-F923-4F4A-9A57-D0582ADE794A}"/>
+              </a:ext>
+            </a:extLst>
+          </p:cNvPr>
+          <p:cNvPicPr>
+            <a:picLocks noChangeAspect="1"/>
+          </p:cNvPicPr>
+          <p:nvPr/>
+        </p:nvPicPr>
+        <p:blipFill>
+          <a:blip r:embed="rId4"/>
+          <a:stretch>
+            <a:fillRect/>
+          </a:stretch>
+        </p:blipFill>
+        <p:spPr>
+          <a:xfrm>
+            <a:off x="3389295" y="4607989"/>
+            <a:ext cx="4686243" cy="584121"/>
+          </a:xfrm>
+          <a:prstGeom prst="rect">
+            <a:avLst/>
+          </a:prstGeom>
+        </p:spPr>
+      </p:pic>
+    </p:spTree>
+    <p:extLst>
+      <p:ext uri="{BB962C8B-B14F-4D97-AF65-F5344CB8AC3E}">
+        <p14:creationId xmlns:p14="http://schemas.microsoft.com/office/powerpoint/2010/main" val="2321022352"/>
+      </p:ext>
+    </p:extLst>
+  </p:cSld>
+  <p:clrMapOvr>
+    <a:masterClrMapping/>
+  </p:clrMapOvr>
+</p:sld>
+</file>
+
+<file path=ppt/slides/slide14.xml><?xml version="1.0" encoding="utf-8"?>
+<p:sld xmlns:a="http://schemas.openxmlformats.org/drawingml/2006/main" xmlns:r="http://schemas.openxmlformats.org/officeDocument/2006/relationships" xmlns:p="http://schemas.openxmlformats.org/presentationml/2006/main">
+  <p:cSld>
+    <p:spTree>
+      <p:nvGrpSpPr>
+        <p:cNvPr id="1" name=""/>
+        <p:cNvGrpSpPr/>
+        <p:nvPr/>
+      </p:nvGrpSpPr>
+      <p:grpSpPr>
+        <a:xfrm>
+          <a:off x="0" y="0"/>
+          <a:ext cx="0" cy="0"/>
+          <a:chOff x="0" y="0"/>
+          <a:chExt cx="0" cy="0"/>
+        </a:xfrm>
+      </p:grpSpPr>
+      <p:sp>
+        <p:nvSpPr>
           <p:cNvPr id="4" name="Title 3">
             <a:extLst>
               <a:ext uri="{FF2B5EF4-FFF2-40B4-BE49-F238E27FC236}">
@@ -5837,7 +6041,7 @@
 </p:sld>
 </file>
 
-<file path=ppt/slides/slide14.xml><?xml version="1.0" encoding="utf-8"?>
+<file path=ppt/slides/slide15.xml><?xml version="1.0" encoding="utf-8"?>
 <p:sld xmlns:a="http://schemas.openxmlformats.org/drawingml/2006/main" xmlns:r="http://schemas.openxmlformats.org/officeDocument/2006/relationships" xmlns:p="http://schemas.openxmlformats.org/presentationml/2006/main">
   <p:cSld>
     <p:spTree>
@@ -6009,7 +6213,7 @@
           <a:p>
             <a:r>
               <a:rPr lang="en-US" dirty="0"/>
-              <a:t>We wanted to make a simple driver that would allow a human user to play a simple 5-card draw game against the superior neural network.</a:t>
+              <a:t>We wanted to make a driver that would allow a human user to play a simple 5-card draw game against the superior neural network.</a:t>
             </a:r>
           </a:p>
           <a:p>
@@ -7391,13 +7595,13 @@
   <p:clrMapOvr>
     <a:masterClrMapping/>
   </p:clrMapOvr>
-  <mc:AlternateContent xmlns:mc="http://schemas.openxmlformats.org/markup-compatibility/2006">
-    <mc:Choice xmlns:p14="http://schemas.microsoft.com/office/powerpoint/2010/main" Requires="p14">
+  <mc:AlternateContent xmlns:mc="http://schemas.openxmlformats.org/markup-compatibility/2006" xmlns:p14="http://schemas.microsoft.com/office/powerpoint/2010/main">
+    <mc:Choice Requires="p14">
       <p:transition spd="med" p14:dur="700">
         <p:fade/>
       </p:transition>
     </mc:Choice>
-    <mc:Fallback>
+    <mc:Fallback xmlns="">
       <p:transition spd="med">
         <p:fade/>
       </p:transition>
@@ -7621,13 +7825,13 @@
   <p:clrMapOvr>
     <a:masterClrMapping/>
   </p:clrMapOvr>
-  <mc:AlternateContent xmlns:mc="http://schemas.openxmlformats.org/markup-compatibility/2006">
-    <mc:Choice xmlns:p14="http://schemas.microsoft.com/office/powerpoint/2010/main" Requires="p14">
+  <mc:AlternateContent xmlns:mc="http://schemas.openxmlformats.org/markup-compatibility/2006" xmlns:p14="http://schemas.microsoft.com/office/powerpoint/2010/main">
+    <mc:Choice Requires="p14">
       <p:transition spd="med" p14:dur="700">
         <p:fade/>
       </p:transition>
     </mc:Choice>
-    <mc:Fallback>
+    <mc:Fallback xmlns="">
       <p:transition spd="med">
         <p:fade/>
       </p:transition>
